--- a/mycatalog-architecture-diagram-template.pptx
+++ b/mycatalog-architecture-diagram-template.pptx
@@ -525,7 +525,7 @@
           <a:p>
             <a:r>
               <a:rPr lang="en-US" dirty="0" smtClean="0"/>
-              <a:t>Generated on Wed Dec 04 2019 16:11:36 GMT+0000 (UTC)</a:t>
+              <a:t>Generated on Sat Dec 07 2019 14:12:40 GMT-0500 (EST)</a:t>
             </a:r>
             <a:endParaRPr lang="en-US" dirty="0"/>
           </a:p>
@@ -28869,7 +28869,7 @@
                 <a:ea typeface="Helvetica" pitchFamily="34" charset="-122"/>
                 <a:cs typeface="Helvetica" pitchFamily="34" charset="-120"/>
               </a:rPr>
-              <a:t>DOMAIN NAME SERVICE</a:t>
+              <a:t>DOMAIN NAME REGISTRATION</a:t>
             </a:r>
             <a:endParaRPr lang="en-US" dirty="0"/>
           </a:p>
@@ -31727,7 +31727,7 @@
                 <a:ea typeface="Helvetica" pitchFamily="34" charset="-122"/>
                 <a:cs typeface="Helvetica" pitchFamily="34" charset="-120"/>
               </a:rPr>
-              <a:t>HYPER PROTECT VIRTUAL SERVER</a:t>
+              <a:t>HYPER PROTECT VIRTUAL SERVERS</a:t>
             </a:r>
             <a:endParaRPr lang="en-US" dirty="0"/>
           </a:p>
